--- a/results/images/average_of_lines.pptx
+++ b/results/images/average_of_lines.pptx
@@ -2,7 +2,7 @@
 <file path=ppt/presentation.xml><?xml version="1.0" encoding="utf-8"?>
 <p:presentation xmlns:a="http://schemas.openxmlformats.org/drawingml/2006/main" xmlns:r="http://schemas.openxmlformats.org/officeDocument/2006/relationships" xmlns:p="http://schemas.openxmlformats.org/presentationml/2006/main" saveSubsetFonts="1">
   <p:sldMasterIdLst>
-    <p:sldMasterId id="2147483684" r:id="rId1"/>
+    <p:sldMasterId id="2147483732" r:id="rId1"/>
   </p:sldMasterIdLst>
   <p:sldIdLst>
     <p:sldId id="256" r:id="rId2"/>
@@ -128,14 +128,35 @@
   <c:chart>
     <c:autoTitleDeleted val="1"/>
     <c:plotArea>
-      <c:layout/>
+      <c:layout>
+        <c:manualLayout>
+          <c:layoutTarget val="inner"/>
+          <c:xMode val="edge"/>
+          <c:yMode val="edge"/>
+          <c:x val="0.15309022309711287"/>
+          <c:y val="6.8929040119985005E-2"/>
+          <c:w val="0.73086122047244106"/>
+          <c:h val="0.6722781520908534"/>
+        </c:manualLayout>
+      </c:layout>
       <c:barChart>
-        <c:barDir val="bar"/>
+        <c:barDir val="col"/>
         <c:grouping val="clustered"/>
         <c:varyColors val="0"/>
         <c:ser>
           <c:idx val="0"/>
           <c:order val="0"/>
+          <c:tx>
+            <c:strRef>
+              <c:f>'Average per Category (%)'!$A$4</c:f>
+              <c:strCache>
+                <c:ptCount val="1"/>
+                <c:pt idx="0">
+                  <c:v>Projects</c:v>
+                </c:pt>
+              </c:strCache>
+            </c:strRef>
+          </c:tx>
           <c:spPr>
             <a:solidFill>
               <a:srgbClr val="FF5050"/>
@@ -152,25 +173,25 @@
               <c:strCache>
                 <c:ptCount val="7"/>
                 <c:pt idx="0">
-                  <c:v>CT – Choose a task</c:v>
+                  <c:v>Choose a task</c:v>
                 </c:pt>
                 <c:pt idx="1">
-                  <c:v>TC – Talk to the community</c:v>
+                  <c:v>Build local workspace</c:v>
                 </c:pt>
                 <c:pt idx="2">
-                  <c:v>BW – Build local workspace</c:v>
+                  <c:v>Talk to the community</c:v>
                 </c:pt>
                 <c:pt idx="3">
-                  <c:v>CF – Contribution flow</c:v>
+                  <c:v>Deal with the code</c:v>
                 </c:pt>
                 <c:pt idx="4">
-                  <c:v>DC – Deal with the code</c:v>
+                  <c:v>Contribution flow</c:v>
                 </c:pt>
                 <c:pt idx="5">
-                  <c:v>SC – Submit the changes</c:v>
+                  <c:v>Submit the changes</c:v>
                 </c:pt>
                 <c:pt idx="6">
-                  <c:v>No categories identified.</c:v>
+                  <c:v>No categories identified</c:v>
                 </c:pt>
               </c:strCache>
             </c:strRef>
@@ -182,32 +203,32 @@
                 <c:formatCode>0</c:formatCode>
                 <c:ptCount val="7"/>
                 <c:pt idx="0">
-                  <c:v>0.83799999999999997</c:v>
+                  <c:v>116</c:v>
                 </c:pt>
                 <c:pt idx="1">
-                  <c:v>1.304</c:v>
+                  <c:v>139</c:v>
                 </c:pt>
                 <c:pt idx="2">
-                  <c:v>2.8879999999999999</c:v>
+                  <c:v>183</c:v>
                 </c:pt>
                 <c:pt idx="3">
-                  <c:v>4.1760000000000002</c:v>
+                  <c:v>280</c:v>
                 </c:pt>
                 <c:pt idx="4">
-                  <c:v>4.99</c:v>
+                  <c:v>319</c:v>
                 </c:pt>
                 <c:pt idx="5">
-                  <c:v>12.348000000000001</c:v>
+                  <c:v>396</c:v>
                 </c:pt>
                 <c:pt idx="6">
-                  <c:v>14.922000000000001</c:v>
+                  <c:v>483</c:v>
                 </c:pt>
               </c:numCache>
             </c:numRef>
           </c:val>
           <c:extLst>
             <c:ext xmlns:c16="http://schemas.microsoft.com/office/drawing/2014/chart" uri="{C3380CC4-5D6E-409C-BE32-E72D297353CC}">
-              <c16:uniqueId val="{00000000-1C23-4785-8866-A88254A479A8}"/>
+              <c16:uniqueId val="{00000000-1CFC-4CAF-AFDA-8604FBCA79FC}"/>
             </c:ext>
           </c:extLst>
         </c:ser>
@@ -219,17 +240,160 @@
           <c:showPercent val="0"/>
           <c:showBubbleSize val="0"/>
         </c:dLbls>
-        <c:gapWidth val="182"/>
-        <c:axId val="1682822896"/>
-        <c:axId val="930698480"/>
+        <c:gapWidth val="219"/>
+        <c:overlap val="-27"/>
+        <c:axId val="1483099343"/>
+        <c:axId val="92192927"/>
       </c:barChart>
+      <c:lineChart>
+        <c:grouping val="standard"/>
+        <c:varyColors val="0"/>
+        <c:ser>
+          <c:idx val="1"/>
+          <c:order val="1"/>
+          <c:tx>
+            <c:strRef>
+              <c:f>'Average per Category (%)'!$A$5</c:f>
+              <c:strCache>
+                <c:ptCount val="1"/>
+                <c:pt idx="0">
+                  <c:v>Average</c:v>
+                </c:pt>
+              </c:strCache>
+            </c:strRef>
+          </c:tx>
+          <c:spPr>
+            <a:ln w="25400" cap="rnd">
+              <a:noFill/>
+              <a:round/>
+            </a:ln>
+            <a:effectLst/>
+          </c:spPr>
+          <c:marker>
+            <c:symbol val="circle"/>
+            <c:size val="5"/>
+            <c:spPr>
+              <a:solidFill>
+                <a:schemeClr val="tx1"/>
+              </a:solidFill>
+              <a:ln w="127000">
+                <a:solidFill>
+                  <a:schemeClr val="tx1"/>
+                </a:solidFill>
+              </a:ln>
+              <a:effectLst/>
+            </c:spPr>
+          </c:marker>
+          <c:dPt>
+            <c:idx val="1"/>
+            <c:marker>
+              <c:symbol val="circle"/>
+              <c:size val="5"/>
+              <c:spPr>
+                <a:solidFill>
+                  <a:schemeClr val="tx1"/>
+                </a:solidFill>
+                <a:ln w="127000">
+                  <a:solidFill>
+                    <a:schemeClr val="tx1"/>
+                  </a:solidFill>
+                </a:ln>
+                <a:effectLst/>
+              </c:spPr>
+            </c:marker>
+            <c:bubble3D val="0"/>
+            <c:extLst>
+              <c:ext xmlns:c16="http://schemas.microsoft.com/office/drawing/2014/chart" uri="{C3380CC4-5D6E-409C-BE32-E72D297353CC}">
+                <c16:uniqueId val="{00000002-1CFC-4CAF-AFDA-8604FBCA79FC}"/>
+              </c:ext>
+            </c:extLst>
+          </c:dPt>
+          <c:cat>
+            <c:strRef>
+              <c:f>'Average per Category (%)'!$B$3:$H$3</c:f>
+              <c:strCache>
+                <c:ptCount val="7"/>
+                <c:pt idx="0">
+                  <c:v>Choose a task</c:v>
+                </c:pt>
+                <c:pt idx="1">
+                  <c:v>Build local workspace</c:v>
+                </c:pt>
+                <c:pt idx="2">
+                  <c:v>Talk to the community</c:v>
+                </c:pt>
+                <c:pt idx="3">
+                  <c:v>Deal with the code</c:v>
+                </c:pt>
+                <c:pt idx="4">
+                  <c:v>Contribution flow</c:v>
+                </c:pt>
+                <c:pt idx="5">
+                  <c:v>Submit the changes</c:v>
+                </c:pt>
+                <c:pt idx="6">
+                  <c:v>No categories identified</c:v>
+                </c:pt>
+              </c:strCache>
+            </c:strRef>
+          </c:cat>
+          <c:val>
+            <c:numRef>
+              <c:f>'Average per Category (%)'!$B$5:$H$5</c:f>
+              <c:numCache>
+                <c:formatCode>General</c:formatCode>
+                <c:ptCount val="7"/>
+                <c:pt idx="0">
+                  <c:v>1</c:v>
+                </c:pt>
+                <c:pt idx="1">
+                  <c:v>3</c:v>
+                </c:pt>
+                <c:pt idx="2">
+                  <c:v>1</c:v>
+                </c:pt>
+                <c:pt idx="3">
+                  <c:v>5</c:v>
+                </c:pt>
+                <c:pt idx="4">
+                  <c:v>4</c:v>
+                </c:pt>
+                <c:pt idx="5">
+                  <c:v>12</c:v>
+                </c:pt>
+                <c:pt idx="6">
+                  <c:v>15</c:v>
+                </c:pt>
+              </c:numCache>
+            </c:numRef>
+          </c:val>
+          <c:smooth val="1"/>
+          <c:extLst>
+            <c:ext xmlns:c16="http://schemas.microsoft.com/office/drawing/2014/chart" uri="{C3380CC4-5D6E-409C-BE32-E72D297353CC}">
+              <c16:uniqueId val="{00000001-1CFC-4CAF-AFDA-8604FBCA79FC}"/>
+            </c:ext>
+          </c:extLst>
+        </c:ser>
+        <c:dLbls>
+          <c:showLegendKey val="0"/>
+          <c:showVal val="0"/>
+          <c:showCatName val="0"/>
+          <c:showSerName val="0"/>
+          <c:showPercent val="0"/>
+          <c:showBubbleSize val="0"/>
+        </c:dLbls>
+        <c:marker val="1"/>
+        <c:smooth val="0"/>
+        <c:axId val="1483094143"/>
+        <c:axId val="92196255"/>
+      </c:lineChart>
       <c:catAx>
-        <c:axId val="1682822896"/>
+        <c:axId val="1483099343"/>
         <c:scaling>
           <c:orientation val="minMax"/>
         </c:scaling>
         <c:delete val="0"/>
-        <c:axPos val="l"/>
+        <c:axPos val="b"/>
         <c:numFmt formatCode="General" sourceLinked="1"/>
         <c:majorTickMark val="none"/>
         <c:minorTickMark val="none"/>
@@ -248,11 +412,11 @@
           <a:effectLst/>
         </c:spPr>
         <c:txPr>
-          <a:bodyPr rot="-60000000" spcFirstLastPara="1" vertOverflow="ellipsis" vert="horz" wrap="square" anchor="ctr" anchorCtr="1"/>
+          <a:bodyPr rot="-1500000" spcFirstLastPara="1" vertOverflow="ellipsis" wrap="square" anchor="ctr" anchorCtr="1"/>
           <a:lstStyle/>
           <a:p>
             <a:pPr>
-              <a:defRPr sz="2500" b="0" i="0" u="none" strike="noStrike" kern="1200" baseline="0">
+              <a:defRPr sz="2200" b="0" i="0" u="none" strike="noStrike" kern="1200" baseline="0">
                 <a:solidFill>
                   <a:schemeClr val="tx1"/>
                 </a:solidFill>
@@ -264,20 +428,20 @@
             <a:endParaRPr lang="en-US"/>
           </a:p>
         </c:txPr>
-        <c:crossAx val="930698480"/>
+        <c:crossAx val="92192927"/>
         <c:crosses val="autoZero"/>
         <c:auto val="1"/>
         <c:lblAlgn val="ctr"/>
-        <c:lblOffset val="100"/>
+        <c:lblOffset val="0"/>
         <c:noMultiLvlLbl val="0"/>
       </c:catAx>
       <c:valAx>
-        <c:axId val="930698480"/>
+        <c:axId val="92192927"/>
         <c:scaling>
           <c:orientation val="minMax"/>
         </c:scaling>
         <c:delete val="0"/>
-        <c:axPos val="b"/>
+        <c:axPos val="l"/>
         <c:majorGridlines>
           <c:spPr>
             <a:ln w="9525" cap="flat" cmpd="sng" algn="ctr">
@@ -295,7 +459,7 @@
         <c:title>
           <c:tx>
             <c:rich>
-              <a:bodyPr rot="0" spcFirstLastPara="1" vertOverflow="ellipsis" vert="horz" wrap="square" anchor="ctr" anchorCtr="1"/>
+              <a:bodyPr rot="-5400000" spcFirstLastPara="1" vertOverflow="ellipsis" vert="horz" wrap="square" anchor="ctr" anchorCtr="1"/>
               <a:lstStyle/>
               <a:p>
                 <a:pPr>
@@ -309,21 +473,20 @@
                   </a:defRPr>
                 </a:pPr>
                 <a:r>
-                  <a:rPr lang="en-US"/>
-                  <a:t>#</a:t>
+                  <a:rPr lang="en-US" sz="2500" b="0" dirty="0"/>
+                  <a:t># Projects</a:t>
                 </a:r>
-                <a:r>
-                  <a:rPr lang="en-US" baseline="0"/>
-                  <a:t> Paragraphs </a:t>
-                </a:r>
-                <a:r>
-                  <a:rPr lang="en-US" baseline="0" dirty="0"/>
-                  <a:t>(Average)</a:t>
-                </a:r>
-                <a:endParaRPr lang="en-US" dirty="0"/>
               </a:p>
             </c:rich>
           </c:tx>
+          <c:layout>
+            <c:manualLayout>
+              <c:xMode val="edge"/>
+              <c:yMode val="edge"/>
+              <c:x val="0"/>
+              <c:y val="0.30373721922147018"/>
+            </c:manualLayout>
+          </c:layout>
           <c:overlay val="0"/>
           <c:spPr>
             <a:noFill/>
@@ -333,7 +496,7 @@
             <a:effectLst/>
           </c:spPr>
           <c:txPr>
-            <a:bodyPr rot="0" spcFirstLastPara="1" vertOverflow="ellipsis" vert="horz" wrap="square" anchor="ctr" anchorCtr="1"/>
+            <a:bodyPr rot="-5400000" spcFirstLastPara="1" vertOverflow="ellipsis" vert="horz" wrap="square" anchor="ctr" anchorCtr="1"/>
             <a:lstStyle/>
             <a:p>
               <a:pPr>
@@ -378,10 +541,124 @@
             <a:endParaRPr lang="en-US"/>
           </a:p>
         </c:txPr>
-        <c:crossAx val="1682822896"/>
+        <c:crossAx val="1483099343"/>
         <c:crosses val="autoZero"/>
         <c:crossBetween val="between"/>
       </c:valAx>
+      <c:valAx>
+        <c:axId val="92196255"/>
+        <c:scaling>
+          <c:orientation val="minMax"/>
+        </c:scaling>
+        <c:delete val="0"/>
+        <c:axPos val="r"/>
+        <c:title>
+          <c:tx>
+            <c:rich>
+              <a:bodyPr rot="-5400000" spcFirstLastPara="1" vertOverflow="ellipsis" vert="horz" wrap="square" anchor="ctr" anchorCtr="1"/>
+              <a:lstStyle/>
+              <a:p>
+                <a:pPr>
+                  <a:defRPr sz="2500" b="0" i="0" u="none" strike="noStrike" kern="1200" baseline="0">
+                    <a:solidFill>
+                      <a:schemeClr val="tx1"/>
+                    </a:solidFill>
+                    <a:latin typeface="+mn-lt"/>
+                    <a:ea typeface="+mn-ea"/>
+                    <a:cs typeface="+mn-cs"/>
+                  </a:defRPr>
+                </a:pPr>
+                <a:r>
+                  <a:rPr lang="en-US" sz="2500" dirty="0"/>
+                  <a:t>Average</a:t>
+                </a:r>
+              </a:p>
+            </c:rich>
+          </c:tx>
+          <c:layout>
+            <c:manualLayout>
+              <c:xMode val="edge"/>
+              <c:yMode val="edge"/>
+              <c:x val="0.95344444444444443"/>
+              <c:y val="0.26277420049018929"/>
+            </c:manualLayout>
+          </c:layout>
+          <c:overlay val="0"/>
+          <c:spPr>
+            <a:noFill/>
+            <a:ln>
+              <a:noFill/>
+            </a:ln>
+            <a:effectLst/>
+          </c:spPr>
+          <c:txPr>
+            <a:bodyPr rot="-5400000" spcFirstLastPara="1" vertOverflow="ellipsis" vert="horz" wrap="square" anchor="ctr" anchorCtr="1"/>
+            <a:lstStyle/>
+            <a:p>
+              <a:pPr>
+                <a:defRPr sz="2500" b="0" i="0" u="none" strike="noStrike" kern="1200" baseline="0">
+                  <a:solidFill>
+                    <a:schemeClr val="tx1"/>
+                  </a:solidFill>
+                  <a:latin typeface="+mn-lt"/>
+                  <a:ea typeface="+mn-ea"/>
+                  <a:cs typeface="+mn-cs"/>
+                </a:defRPr>
+              </a:pPr>
+              <a:endParaRPr lang="en-US"/>
+            </a:p>
+          </c:txPr>
+        </c:title>
+        <c:numFmt formatCode="General" sourceLinked="1"/>
+        <c:majorTickMark val="out"/>
+        <c:minorTickMark val="none"/>
+        <c:tickLblPos val="nextTo"/>
+        <c:spPr>
+          <a:noFill/>
+          <a:ln>
+            <a:noFill/>
+          </a:ln>
+          <a:effectLst/>
+        </c:spPr>
+        <c:txPr>
+          <a:bodyPr rot="-60000000" spcFirstLastPara="1" vertOverflow="ellipsis" vert="horz" wrap="square" anchor="ctr" anchorCtr="1"/>
+          <a:lstStyle/>
+          <a:p>
+            <a:pPr>
+              <a:defRPr sz="2500" b="0" i="0" u="none" strike="noStrike" kern="1200" baseline="0">
+                <a:solidFill>
+                  <a:schemeClr val="tx1"/>
+                </a:solidFill>
+                <a:latin typeface="+mn-lt"/>
+                <a:ea typeface="+mn-ea"/>
+                <a:cs typeface="+mn-cs"/>
+              </a:defRPr>
+            </a:pPr>
+            <a:endParaRPr lang="en-US"/>
+          </a:p>
+        </c:txPr>
+        <c:crossAx val="1483094143"/>
+        <c:crosses val="max"/>
+        <c:crossBetween val="between"/>
+      </c:valAx>
+      <c:catAx>
+        <c:axId val="1483094143"/>
+        <c:scaling>
+          <c:orientation val="minMax"/>
+        </c:scaling>
+        <c:delete val="1"/>
+        <c:axPos val="b"/>
+        <c:numFmt formatCode="General" sourceLinked="1"/>
+        <c:majorTickMark val="out"/>
+        <c:minorTickMark val="none"/>
+        <c:tickLblPos val="nextTo"/>
+        <c:crossAx val="92196255"/>
+        <c:crosses val="autoZero"/>
+        <c:auto val="1"/>
+        <c:lblAlgn val="ctr"/>
+        <c:lblOffset val="100"/>
+        <c:noMultiLvlLbl val="0"/>
+      </c:catAx>
       <c:spPr>
         <a:solidFill>
           <a:schemeClr val="bg1">
@@ -394,8 +671,53 @@
         <a:effectLst/>
       </c:spPr>
     </c:plotArea>
+    <c:legend>
+      <c:legendPos val="t"/>
+      <c:layout>
+        <c:manualLayout>
+          <c:xMode val="edge"/>
+          <c:yMode val="edge"/>
+          <c:x val="0.33773173665791778"/>
+          <c:y val="0"/>
+          <c:w val="0.32207556867891513"/>
+          <c:h val="6.481686972709437E-2"/>
+        </c:manualLayout>
+      </c:layout>
+      <c:overlay val="0"/>
+      <c:spPr>
+        <a:noFill/>
+        <a:ln>
+          <a:noFill/>
+        </a:ln>
+        <a:effectLst/>
+      </c:spPr>
+      <c:txPr>
+        <a:bodyPr rot="0" spcFirstLastPara="1" vertOverflow="ellipsis" vert="horz" wrap="square" anchor="ctr" anchorCtr="1"/>
+        <a:lstStyle/>
+        <a:p>
+          <a:pPr>
+            <a:defRPr sz="2200" b="0" i="0" u="none" strike="noStrike" kern="1200" baseline="0">
+              <a:solidFill>
+                <a:schemeClr val="tx1"/>
+              </a:solidFill>
+              <a:latin typeface="+mn-lt"/>
+              <a:ea typeface="+mn-ea"/>
+              <a:cs typeface="+mn-cs"/>
+            </a:defRPr>
+          </a:pPr>
+          <a:endParaRPr lang="en-US"/>
+        </a:p>
+      </c:txPr>
+    </c:legend>
     <c:plotVisOnly val="1"/>
     <c:dispBlanksAs val="gap"/>
+    <c:extLst>
+      <c:ext xmlns:c16r3="http://schemas.microsoft.com/office/drawing/2017/03/chart" uri="{56B9EC1D-385E-4148-901F-78D8002777C0}">
+        <c16r3:dataDisplayOptions16>
+          <c16r3:dispNaAsBlank val="1"/>
+        </c16r3:dataDisplayOptions16>
+      </c:ext>
+    </c:extLst>
     <c:showDLblsOverMax val="0"/>
   </c:chart>
   <c:spPr>
@@ -466,7 +788,7 @@
 </file>
 
 <file path=ppt/charts/style1.xml><?xml version="1.0" encoding="utf-8"?>
-<cs:chartStyle xmlns:cs="http://schemas.microsoft.com/office/drawing/2012/chartStyle" xmlns:a="http://schemas.openxmlformats.org/drawingml/2006/main" id="216">
+<cs:chartStyle xmlns:cs="http://schemas.microsoft.com/office/drawing/2012/chartStyle" xmlns:a="http://schemas.openxmlformats.org/drawingml/2006/main" id="201">
   <cs:axisTitle>
     <cs:lnRef idx="0"/>
     <cs:fillRef idx="0"/>
@@ -670,23 +992,22 @@
     <cs:fillRef idx="0"/>
     <cs:effectRef idx="0"/>
     <cs:fontRef idx="minor">
-      <a:schemeClr val="tx1"/>
+      <a:schemeClr val="dk1"/>
     </cs:fontRef>
     <cs:spPr>
       <a:solidFill>
         <a:schemeClr val="dk1">
-          <a:lumMod val="75000"/>
-          <a:lumOff val="25000"/>
+          <a:lumMod val="65000"/>
+          <a:lumOff val="35000"/>
         </a:schemeClr>
       </a:solidFill>
-      <a:ln w="9525" cap="flat" cmpd="sng" algn="ctr">
+      <a:ln w="9525">
         <a:solidFill>
           <a:schemeClr val="tx1">
             <a:lumMod val="65000"/>
             <a:lumOff val="35000"/>
           </a:schemeClr>
         </a:solidFill>
-        <a:round/>
       </a:ln>
     </cs:spPr>
   </cs:downBar>
@@ -791,8 +1112,8 @@
       <a:ln w="9525" cap="flat" cmpd="sng" algn="ctr">
         <a:solidFill>
           <a:schemeClr val="tx1">
-            <a:lumMod val="50000"/>
-            <a:lumOff val="50000"/>
+            <a:lumMod val="75000"/>
+            <a:lumOff val="25000"/>
           </a:schemeClr>
         </a:solidFill>
         <a:round/>
@@ -924,20 +1245,19 @@
     <cs:fillRef idx="0"/>
     <cs:effectRef idx="0"/>
     <cs:fontRef idx="minor">
-      <a:schemeClr val="tx1"/>
+      <a:schemeClr val="dk1"/>
     </cs:fontRef>
     <cs:spPr>
       <a:solidFill>
         <a:schemeClr val="lt1"/>
       </a:solidFill>
-      <a:ln w="9525" cap="flat" cmpd="sng" algn="ctr">
+      <a:ln w="9525">
         <a:solidFill>
           <a:schemeClr val="tx1">
-            <a:lumMod val="65000"/>
-            <a:lumOff val="35000"/>
+            <a:lumMod val="15000"/>
+            <a:lumOff val="85000"/>
           </a:schemeClr>
         </a:solidFill>
-        <a:round/>
       </a:ln>
     </cs:spPr>
   </cs:upBar>
@@ -1101,7 +1421,7 @@
           <a:p>
             <a:fld id="{857C8E90-7EDD-4CDC-BF79-D3D421C99482}" type="datetimeFigureOut">
               <a:rPr lang="en-US" smtClean="0"/>
-              <a:t>4/21/2021</a:t>
+              <a:t>5/3/2021</a:t>
             </a:fld>
             <a:endParaRPr lang="en-US"/>
           </a:p>
@@ -1152,7 +1472,7 @@
     </p:spTree>
     <p:extLst>
       <p:ext uri="{BB962C8B-B14F-4D97-AF65-F5344CB8AC3E}">
-        <p14:creationId xmlns:p14="http://schemas.microsoft.com/office/powerpoint/2010/main" val="481979608"/>
+        <p14:creationId xmlns:p14="http://schemas.microsoft.com/office/powerpoint/2010/main" val="2896344776"/>
       </p:ext>
     </p:extLst>
   </p:cSld>
@@ -1271,7 +1591,7 @@
           <a:p>
             <a:fld id="{857C8E90-7EDD-4CDC-BF79-D3D421C99482}" type="datetimeFigureOut">
               <a:rPr lang="en-US" smtClean="0"/>
-              <a:t>4/21/2021</a:t>
+              <a:t>5/3/2021</a:t>
             </a:fld>
             <a:endParaRPr lang="en-US"/>
           </a:p>
@@ -1322,7 +1642,7 @@
     </p:spTree>
     <p:extLst>
       <p:ext uri="{BB962C8B-B14F-4D97-AF65-F5344CB8AC3E}">
-        <p14:creationId xmlns:p14="http://schemas.microsoft.com/office/powerpoint/2010/main" val="4175060594"/>
+        <p14:creationId xmlns:p14="http://schemas.microsoft.com/office/powerpoint/2010/main" val="3974116404"/>
       </p:ext>
     </p:extLst>
   </p:cSld>
@@ -1451,7 +1771,7 @@
           <a:p>
             <a:fld id="{857C8E90-7EDD-4CDC-BF79-D3D421C99482}" type="datetimeFigureOut">
               <a:rPr lang="en-US" smtClean="0"/>
-              <a:t>4/21/2021</a:t>
+              <a:t>5/3/2021</a:t>
             </a:fld>
             <a:endParaRPr lang="en-US"/>
           </a:p>
@@ -1502,7 +1822,7 @@
     </p:spTree>
     <p:extLst>
       <p:ext uri="{BB962C8B-B14F-4D97-AF65-F5344CB8AC3E}">
-        <p14:creationId xmlns:p14="http://schemas.microsoft.com/office/powerpoint/2010/main" val="1474288072"/>
+        <p14:creationId xmlns:p14="http://schemas.microsoft.com/office/powerpoint/2010/main" val="3292790611"/>
       </p:ext>
     </p:extLst>
   </p:cSld>
@@ -1621,7 +1941,7 @@
           <a:p>
             <a:fld id="{857C8E90-7EDD-4CDC-BF79-D3D421C99482}" type="datetimeFigureOut">
               <a:rPr lang="en-US" smtClean="0"/>
-              <a:t>4/21/2021</a:t>
+              <a:t>5/3/2021</a:t>
             </a:fld>
             <a:endParaRPr lang="en-US"/>
           </a:p>
@@ -1672,7 +1992,7 @@
     </p:spTree>
     <p:extLst>
       <p:ext uri="{BB962C8B-B14F-4D97-AF65-F5344CB8AC3E}">
-        <p14:creationId xmlns:p14="http://schemas.microsoft.com/office/powerpoint/2010/main" val="1652904573"/>
+        <p14:creationId xmlns:p14="http://schemas.microsoft.com/office/powerpoint/2010/main" val="2145257591"/>
       </p:ext>
     </p:extLst>
   </p:cSld>
@@ -1865,7 +2185,7 @@
           <a:p>
             <a:fld id="{857C8E90-7EDD-4CDC-BF79-D3D421C99482}" type="datetimeFigureOut">
               <a:rPr lang="en-US" smtClean="0"/>
-              <a:t>4/21/2021</a:t>
+              <a:t>5/3/2021</a:t>
             </a:fld>
             <a:endParaRPr lang="en-US"/>
           </a:p>
@@ -1916,7 +2236,7 @@
     </p:spTree>
     <p:extLst>
       <p:ext uri="{BB962C8B-B14F-4D97-AF65-F5344CB8AC3E}">
-        <p14:creationId xmlns:p14="http://schemas.microsoft.com/office/powerpoint/2010/main" val="2492324851"/>
+        <p14:creationId xmlns:p14="http://schemas.microsoft.com/office/powerpoint/2010/main" val="2316806328"/>
       </p:ext>
     </p:extLst>
   </p:cSld>
@@ -2097,7 +2417,7 @@
           <a:p>
             <a:fld id="{857C8E90-7EDD-4CDC-BF79-D3D421C99482}" type="datetimeFigureOut">
               <a:rPr lang="en-US" smtClean="0"/>
-              <a:t>4/21/2021</a:t>
+              <a:t>5/3/2021</a:t>
             </a:fld>
             <a:endParaRPr lang="en-US"/>
           </a:p>
@@ -2148,7 +2468,7 @@
     </p:spTree>
     <p:extLst>
       <p:ext uri="{BB962C8B-B14F-4D97-AF65-F5344CB8AC3E}">
-        <p14:creationId xmlns:p14="http://schemas.microsoft.com/office/powerpoint/2010/main" val="1210941169"/>
+        <p14:creationId xmlns:p14="http://schemas.microsoft.com/office/powerpoint/2010/main" val="3241700080"/>
       </p:ext>
     </p:extLst>
   </p:cSld>
@@ -2464,7 +2784,7 @@
           <a:p>
             <a:fld id="{857C8E90-7EDD-4CDC-BF79-D3D421C99482}" type="datetimeFigureOut">
               <a:rPr lang="en-US" smtClean="0"/>
-              <a:t>4/21/2021</a:t>
+              <a:t>5/3/2021</a:t>
             </a:fld>
             <a:endParaRPr lang="en-US"/>
           </a:p>
@@ -2515,7 +2835,7 @@
     </p:spTree>
     <p:extLst>
       <p:ext uri="{BB962C8B-B14F-4D97-AF65-F5344CB8AC3E}">
-        <p14:creationId xmlns:p14="http://schemas.microsoft.com/office/powerpoint/2010/main" val="1675148544"/>
+        <p14:creationId xmlns:p14="http://schemas.microsoft.com/office/powerpoint/2010/main" val="264143676"/>
       </p:ext>
     </p:extLst>
   </p:cSld>
@@ -2582,7 +2902,7 @@
           <a:p>
             <a:fld id="{857C8E90-7EDD-4CDC-BF79-D3D421C99482}" type="datetimeFigureOut">
               <a:rPr lang="en-US" smtClean="0"/>
-              <a:t>4/21/2021</a:t>
+              <a:t>5/3/2021</a:t>
             </a:fld>
             <a:endParaRPr lang="en-US"/>
           </a:p>
@@ -2633,7 +2953,7 @@
     </p:spTree>
     <p:extLst>
       <p:ext uri="{BB962C8B-B14F-4D97-AF65-F5344CB8AC3E}">
-        <p14:creationId xmlns:p14="http://schemas.microsoft.com/office/powerpoint/2010/main" val="1441578381"/>
+        <p14:creationId xmlns:p14="http://schemas.microsoft.com/office/powerpoint/2010/main" val="1388507853"/>
       </p:ext>
     </p:extLst>
   </p:cSld>
@@ -2677,7 +2997,7 @@
           <a:p>
             <a:fld id="{857C8E90-7EDD-4CDC-BF79-D3D421C99482}" type="datetimeFigureOut">
               <a:rPr lang="en-US" smtClean="0"/>
-              <a:t>4/21/2021</a:t>
+              <a:t>5/3/2021</a:t>
             </a:fld>
             <a:endParaRPr lang="en-US"/>
           </a:p>
@@ -2728,7 +3048,7 @@
     </p:spTree>
     <p:extLst>
       <p:ext uri="{BB962C8B-B14F-4D97-AF65-F5344CB8AC3E}">
-        <p14:creationId xmlns:p14="http://schemas.microsoft.com/office/powerpoint/2010/main" val="3700407595"/>
+        <p14:creationId xmlns:p14="http://schemas.microsoft.com/office/powerpoint/2010/main" val="1468998510"/>
       </p:ext>
     </p:extLst>
   </p:cSld>
@@ -2954,7 +3274,7 @@
           <a:p>
             <a:fld id="{857C8E90-7EDD-4CDC-BF79-D3D421C99482}" type="datetimeFigureOut">
               <a:rPr lang="en-US" smtClean="0"/>
-              <a:t>4/21/2021</a:t>
+              <a:t>5/3/2021</a:t>
             </a:fld>
             <a:endParaRPr lang="en-US"/>
           </a:p>
@@ -3005,7 +3325,7 @@
     </p:spTree>
     <p:extLst>
       <p:ext uri="{BB962C8B-B14F-4D97-AF65-F5344CB8AC3E}">
-        <p14:creationId xmlns:p14="http://schemas.microsoft.com/office/powerpoint/2010/main" val="708430448"/>
+        <p14:creationId xmlns:p14="http://schemas.microsoft.com/office/powerpoint/2010/main" val="3269785173"/>
       </p:ext>
     </p:extLst>
   </p:cSld>
@@ -3211,7 +3531,7 @@
           <a:p>
             <a:fld id="{857C8E90-7EDD-4CDC-BF79-D3D421C99482}" type="datetimeFigureOut">
               <a:rPr lang="en-US" smtClean="0"/>
-              <a:t>4/21/2021</a:t>
+              <a:t>5/3/2021</a:t>
             </a:fld>
             <a:endParaRPr lang="en-US"/>
           </a:p>
@@ -3262,7 +3582,7 @@
     </p:spTree>
     <p:extLst>
       <p:ext uri="{BB962C8B-B14F-4D97-AF65-F5344CB8AC3E}">
-        <p14:creationId xmlns:p14="http://schemas.microsoft.com/office/powerpoint/2010/main" val="471429839"/>
+        <p14:creationId xmlns:p14="http://schemas.microsoft.com/office/powerpoint/2010/main" val="3711920973"/>
       </p:ext>
     </p:extLst>
   </p:cSld>
@@ -3424,7 +3744,7 @@
           <a:p>
             <a:fld id="{857C8E90-7EDD-4CDC-BF79-D3D421C99482}" type="datetimeFigureOut">
               <a:rPr lang="en-US" smtClean="0"/>
-              <a:t>4/21/2021</a:t>
+              <a:t>5/3/2021</a:t>
             </a:fld>
             <a:endParaRPr lang="en-US"/>
           </a:p>
@@ -3511,23 +3831,23 @@
     </p:spTree>
     <p:extLst>
       <p:ext uri="{BB962C8B-B14F-4D97-AF65-F5344CB8AC3E}">
-        <p14:creationId xmlns:p14="http://schemas.microsoft.com/office/powerpoint/2010/main" val="3324177394"/>
+        <p14:creationId xmlns:p14="http://schemas.microsoft.com/office/powerpoint/2010/main" val="3031118199"/>
       </p:ext>
     </p:extLst>
   </p:cSld>
   <p:clrMap bg1="lt1" tx1="dk1" bg2="lt2" tx2="dk2" accent1="accent1" accent2="accent2" accent3="accent3" accent4="accent4" accent5="accent5" accent6="accent6" hlink="hlink" folHlink="folHlink"/>
   <p:sldLayoutIdLst>
-    <p:sldLayoutId id="2147483685" r:id="rId1"/>
-    <p:sldLayoutId id="2147483686" r:id="rId2"/>
-    <p:sldLayoutId id="2147483687" r:id="rId3"/>
-    <p:sldLayoutId id="2147483688" r:id="rId4"/>
-    <p:sldLayoutId id="2147483689" r:id="rId5"/>
-    <p:sldLayoutId id="2147483690" r:id="rId6"/>
-    <p:sldLayoutId id="2147483691" r:id="rId7"/>
-    <p:sldLayoutId id="2147483692" r:id="rId8"/>
-    <p:sldLayoutId id="2147483693" r:id="rId9"/>
-    <p:sldLayoutId id="2147483694" r:id="rId10"/>
-    <p:sldLayoutId id="2147483695" r:id="rId11"/>
+    <p:sldLayoutId id="2147483733" r:id="rId1"/>
+    <p:sldLayoutId id="2147483734" r:id="rId2"/>
+    <p:sldLayoutId id="2147483735" r:id="rId3"/>
+    <p:sldLayoutId id="2147483736" r:id="rId4"/>
+    <p:sldLayoutId id="2147483737" r:id="rId5"/>
+    <p:sldLayoutId id="2147483738" r:id="rId6"/>
+    <p:sldLayoutId id="2147483739" r:id="rId7"/>
+    <p:sldLayoutId id="2147483740" r:id="rId8"/>
+    <p:sldLayoutId id="2147483741" r:id="rId9"/>
+    <p:sldLayoutId id="2147483742" r:id="rId10"/>
+    <p:sldLayoutId id="2147483743" r:id="rId11"/>
   </p:sldLayoutIdLst>
   <p:txStyles>
     <p:titleStyle>
@@ -3831,10 +4151,10 @@
       </p:grpSpPr>
       <p:graphicFrame>
         <p:nvGraphicFramePr>
-          <p:cNvPr id="4" name="Chart 3">
+          <p:cNvPr id="3" name="Chart 2">
             <a:extLst>
               <a:ext uri="{FF2B5EF4-FFF2-40B4-BE49-F238E27FC236}">
-                <a16:creationId xmlns:a16="http://schemas.microsoft.com/office/drawing/2014/main" id="{D877B208-11AD-4B0C-BB4A-DCE5BC36DC1F}"/>
+                <a16:creationId xmlns:a16="http://schemas.microsoft.com/office/drawing/2014/main" id="{3FA79A77-2064-4FC5-A6FE-03DE955CE69C}"/>
               </a:ext>
             </a:extLst>
           </p:cNvPr>
@@ -3844,14 +4164,14 @@
           <p:nvPr>
             <p:extLst>
               <p:ext uri="{D42A27DB-BD31-4B8C-83A1-F6EECF244321}">
-                <p14:modId xmlns:p14="http://schemas.microsoft.com/office/powerpoint/2010/main" val="3760722602"/>
+                <p14:modId xmlns:p14="http://schemas.microsoft.com/office/powerpoint/2010/main" val="4224696194"/>
               </p:ext>
             </p:extLst>
           </p:nvPr>
         </p:nvGraphicFramePr>
         <p:xfrm>
-          <a:off x="1" y="0"/>
-          <a:ext cx="9144000" cy="6400800"/>
+          <a:off x="0" y="0"/>
+          <a:ext cx="9144000" cy="6384881"/>
         </p:xfrm>
         <a:graphic>
           <a:graphicData uri="http://schemas.openxmlformats.org/drawingml/2006/chart">
